--- a/intel_IP/HINS/FPGA版本管理.pptx
+++ b/intel_IP/HINS/FPGA版本管理.pptx
@@ -8,6 +8,13 @@
     <p:sldId id="256" r:id="rId2"/>
     <p:sldId id="257" r:id="rId3"/>
     <p:sldId id="258" r:id="rId4"/>
+    <p:sldId id="259" r:id="rId5"/>
+    <p:sldId id="261" r:id="rId6"/>
+    <p:sldId id="260" r:id="rId7"/>
+    <p:sldId id="262" r:id="rId8"/>
+    <p:sldId id="263" r:id="rId9"/>
+    <p:sldId id="264" r:id="rId10"/>
+    <p:sldId id="265" r:id="rId11"/>
   </p:sldIdLst>
   <p:sldSz cx="12192000" cy="6858000"/>
   <p:notesSz cx="6858000" cy="9144000"/>
@@ -106,6 +113,11 @@
       </a:defRPr>
     </a:lvl9pPr>
   </p:defaultTextStyle>
+  <p:extLst>
+    <p:ext uri="{EFAFB233-063F-42B5-8137-9DF3F51BA10A}">
+      <p15:sldGuideLst xmlns:p15="http://schemas.microsoft.com/office/powerpoint/2012/main"/>
+    </p:ext>
+  </p:extLst>
 </p:presentation>
 </file>
 
@@ -3386,6 +3398,42 @@
 </p:sld>
 </file>
 
+<file path=ppt/slides/slide10.xml><?xml version="1.0" encoding="utf-8"?>
+<p:sld xmlns:a="http://schemas.openxmlformats.org/drawingml/2006/main" xmlns:r="http://schemas.openxmlformats.org/officeDocument/2006/relationships" xmlns:p="http://schemas.openxmlformats.org/presentationml/2006/main">
+  <p:cSld>
+    <p:spTree>
+      <p:nvGrpSpPr>
+        <p:cNvPr id="1" name="">
+          <a:extLst>
+            <a:ext uri="{FF2B5EF4-FFF2-40B4-BE49-F238E27FC236}">
+              <a16:creationId xmlns:a16="http://schemas.microsoft.com/office/drawing/2014/main" id="{CCA9C916-BB86-A561-0A71-394C590A21E4}"/>
+            </a:ext>
+          </a:extLst>
+        </p:cNvPr>
+        <p:cNvGrpSpPr/>
+        <p:nvPr/>
+      </p:nvGrpSpPr>
+      <p:grpSpPr>
+        <a:xfrm>
+          <a:off x="0" y="0"/>
+          <a:ext cx="0" cy="0"/>
+          <a:chOff x="0" y="0"/>
+          <a:chExt cx="0" cy="0"/>
+        </a:xfrm>
+      </p:grpSpPr>
+    </p:spTree>
+    <p:extLst>
+      <p:ext uri="{BB962C8B-B14F-4D97-AF65-F5344CB8AC3E}">
+        <p14:creationId xmlns:p14="http://schemas.microsoft.com/office/powerpoint/2010/main" val="1498077346"/>
+      </p:ext>
+    </p:extLst>
+  </p:cSld>
+  <p:clrMapOvr>
+    <a:masterClrMapping/>
+  </p:clrMapOvr>
+</p:sld>
+</file>
+
 <file path=ppt/slides/slide2.xml><?xml version="1.0" encoding="utf-8"?>
 <p:sld xmlns:a="http://schemas.openxmlformats.org/drawingml/2006/main" xmlns:r="http://schemas.openxmlformats.org/officeDocument/2006/relationships" xmlns:p="http://schemas.openxmlformats.org/presentationml/2006/main">
   <p:cSld>
@@ -3409,6 +3457,36 @@
           <a:chExt cx="0" cy="0"/>
         </a:xfrm>
       </p:grpSpPr>
+      <p:pic>
+        <p:nvPicPr>
+          <p:cNvPr id="3" name="圖片 2" descr="一張含有 文字, 螢幕擷取畫面, 字型, 數字 的圖片&#10;&#10;AI 產生的內容可能不正確。">
+            <a:extLst>
+              <a:ext uri="{FF2B5EF4-FFF2-40B4-BE49-F238E27FC236}">
+                <a16:creationId xmlns:a16="http://schemas.microsoft.com/office/drawing/2014/main" id="{76B31979-62C3-DA53-6068-C282A0F6AA9D}"/>
+              </a:ext>
+            </a:extLst>
+          </p:cNvPr>
+          <p:cNvPicPr>
+            <a:picLocks noChangeAspect="1"/>
+          </p:cNvPicPr>
+          <p:nvPr/>
+        </p:nvPicPr>
+        <p:blipFill>
+          <a:blip r:embed="rId2"/>
+          <a:stretch>
+            <a:fillRect/>
+          </a:stretch>
+        </p:blipFill>
+        <p:spPr>
+          <a:xfrm>
+            <a:off x="2595074" y="1804761"/>
+            <a:ext cx="7001852" cy="3248478"/>
+          </a:xfrm>
+          <a:prstGeom prst="rect">
+            <a:avLst/>
+          </a:prstGeom>
+        </p:spPr>
+      </p:pic>
     </p:spTree>
     <p:extLst>
       <p:ext uri="{BB962C8B-B14F-4D97-AF65-F5344CB8AC3E}">
@@ -3445,10 +3523,503 @@
           <a:chExt cx="0" cy="0"/>
         </a:xfrm>
       </p:grpSpPr>
+      <p:pic>
+        <p:nvPicPr>
+          <p:cNvPr id="3" name="圖片 2" descr="一張含有 文字, 螢幕擷取畫面, 字型, 數字 的圖片&#10;&#10;AI 產生的內容可能不正確。">
+            <a:extLst>
+              <a:ext uri="{FF2B5EF4-FFF2-40B4-BE49-F238E27FC236}">
+                <a16:creationId xmlns:a16="http://schemas.microsoft.com/office/drawing/2014/main" id="{FFAD005D-6965-6E5C-A5B6-17B3228258A5}"/>
+              </a:ext>
+            </a:extLst>
+          </p:cNvPr>
+          <p:cNvPicPr>
+            <a:picLocks noChangeAspect="1"/>
+          </p:cNvPicPr>
+          <p:nvPr/>
+        </p:nvPicPr>
+        <p:blipFill>
+          <a:blip r:embed="rId2"/>
+          <a:stretch>
+            <a:fillRect/>
+          </a:stretch>
+        </p:blipFill>
+        <p:spPr>
+          <a:xfrm>
+            <a:off x="2314047" y="1666629"/>
+            <a:ext cx="7563906" cy="3524742"/>
+          </a:xfrm>
+          <a:prstGeom prst="rect">
+            <a:avLst/>
+          </a:prstGeom>
+        </p:spPr>
+      </p:pic>
     </p:spTree>
     <p:extLst>
       <p:ext uri="{BB962C8B-B14F-4D97-AF65-F5344CB8AC3E}">
         <p14:creationId xmlns:p14="http://schemas.microsoft.com/office/powerpoint/2010/main" val="176133010"/>
+      </p:ext>
+    </p:extLst>
+  </p:cSld>
+  <p:clrMapOvr>
+    <a:masterClrMapping/>
+  </p:clrMapOvr>
+</p:sld>
+</file>
+
+<file path=ppt/slides/slide4.xml><?xml version="1.0" encoding="utf-8"?>
+<p:sld xmlns:a="http://schemas.openxmlformats.org/drawingml/2006/main" xmlns:r="http://schemas.openxmlformats.org/officeDocument/2006/relationships" xmlns:p="http://schemas.openxmlformats.org/presentationml/2006/main">
+  <p:cSld>
+    <p:spTree>
+      <p:nvGrpSpPr>
+        <p:cNvPr id="1" name="">
+          <a:extLst>
+            <a:ext uri="{FF2B5EF4-FFF2-40B4-BE49-F238E27FC236}">
+              <a16:creationId xmlns:a16="http://schemas.microsoft.com/office/drawing/2014/main" id="{CD73694B-9537-9FAE-7510-E60D7AC3FB0B}"/>
+            </a:ext>
+          </a:extLst>
+        </p:cNvPr>
+        <p:cNvGrpSpPr/>
+        <p:nvPr/>
+      </p:nvGrpSpPr>
+      <p:grpSpPr>
+        <a:xfrm>
+          <a:off x="0" y="0"/>
+          <a:ext cx="0" cy="0"/>
+          <a:chOff x="0" y="0"/>
+          <a:chExt cx="0" cy="0"/>
+        </a:xfrm>
+      </p:grpSpPr>
+      <p:pic>
+        <p:nvPicPr>
+          <p:cNvPr id="3" name="圖片 2" descr="一張含有 文字, 字型, 收據, 代數 的圖片&#10;&#10;AI 產生的內容可能不正確。">
+            <a:extLst>
+              <a:ext uri="{FF2B5EF4-FFF2-40B4-BE49-F238E27FC236}">
+                <a16:creationId xmlns:a16="http://schemas.microsoft.com/office/drawing/2014/main" id="{3BD8E5EE-85AF-B950-72C3-FECEADD4FD3C}"/>
+              </a:ext>
+            </a:extLst>
+          </p:cNvPr>
+          <p:cNvPicPr>
+            <a:picLocks noChangeAspect="1"/>
+          </p:cNvPicPr>
+          <p:nvPr/>
+        </p:nvPicPr>
+        <p:blipFill>
+          <a:blip r:embed="rId2"/>
+          <a:stretch>
+            <a:fillRect/>
+          </a:stretch>
+        </p:blipFill>
+        <p:spPr>
+          <a:xfrm>
+            <a:off x="2628416" y="2185814"/>
+            <a:ext cx="6935168" cy="2486372"/>
+          </a:xfrm>
+          <a:prstGeom prst="rect">
+            <a:avLst/>
+          </a:prstGeom>
+        </p:spPr>
+      </p:pic>
+    </p:spTree>
+    <p:extLst>
+      <p:ext uri="{BB962C8B-B14F-4D97-AF65-F5344CB8AC3E}">
+        <p14:creationId xmlns:p14="http://schemas.microsoft.com/office/powerpoint/2010/main" val="299066546"/>
+      </p:ext>
+    </p:extLst>
+  </p:cSld>
+  <p:clrMapOvr>
+    <a:masterClrMapping/>
+  </p:clrMapOvr>
+</p:sld>
+</file>
+
+<file path=ppt/slides/slide5.xml><?xml version="1.0" encoding="utf-8"?>
+<p:sld xmlns:a="http://schemas.openxmlformats.org/drawingml/2006/main" xmlns:r="http://schemas.openxmlformats.org/officeDocument/2006/relationships" xmlns:p="http://schemas.openxmlformats.org/presentationml/2006/main">
+  <p:cSld>
+    <p:spTree>
+      <p:nvGrpSpPr>
+        <p:cNvPr id="1" name="">
+          <a:extLst>
+            <a:ext uri="{FF2B5EF4-FFF2-40B4-BE49-F238E27FC236}">
+              <a16:creationId xmlns:a16="http://schemas.microsoft.com/office/drawing/2014/main" id="{C8DD7813-5307-48F2-612B-9648520D4A15}"/>
+            </a:ext>
+          </a:extLst>
+        </p:cNvPr>
+        <p:cNvGrpSpPr/>
+        <p:nvPr/>
+      </p:nvGrpSpPr>
+      <p:grpSpPr>
+        <a:xfrm>
+          <a:off x="0" y="0"/>
+          <a:ext cx="0" cy="0"/>
+          <a:chOff x="0" y="0"/>
+          <a:chExt cx="0" cy="0"/>
+        </a:xfrm>
+      </p:grpSpPr>
+      <p:pic>
+        <p:nvPicPr>
+          <p:cNvPr id="4" name="圖片 3" descr="一張含有 文字, 螢幕擷取畫面, 字型, 代數 的圖片&#10;&#10;AI 產生的內容可能不正確。">
+            <a:extLst>
+              <a:ext uri="{FF2B5EF4-FFF2-40B4-BE49-F238E27FC236}">
+                <a16:creationId xmlns:a16="http://schemas.microsoft.com/office/drawing/2014/main" id="{AF8C9B1E-82AC-71F3-B31D-6CACF9ACE1A4}"/>
+              </a:ext>
+            </a:extLst>
+          </p:cNvPr>
+          <p:cNvPicPr>
+            <a:picLocks noChangeAspect="1"/>
+          </p:cNvPicPr>
+          <p:nvPr/>
+        </p:nvPicPr>
+        <p:blipFill>
+          <a:blip r:embed="rId2"/>
+          <a:stretch>
+            <a:fillRect/>
+          </a:stretch>
+        </p:blipFill>
+        <p:spPr>
+          <a:xfrm>
+            <a:off x="1709125" y="1299865"/>
+            <a:ext cx="8773749" cy="4258269"/>
+          </a:xfrm>
+          <a:prstGeom prst="rect">
+            <a:avLst/>
+          </a:prstGeom>
+        </p:spPr>
+      </p:pic>
+    </p:spTree>
+    <p:extLst>
+      <p:ext uri="{BB962C8B-B14F-4D97-AF65-F5344CB8AC3E}">
+        <p14:creationId xmlns:p14="http://schemas.microsoft.com/office/powerpoint/2010/main" val="359532431"/>
+      </p:ext>
+    </p:extLst>
+  </p:cSld>
+  <p:clrMapOvr>
+    <a:masterClrMapping/>
+  </p:clrMapOvr>
+</p:sld>
+</file>
+
+<file path=ppt/slides/slide6.xml><?xml version="1.0" encoding="utf-8"?>
+<p:sld xmlns:a="http://schemas.openxmlformats.org/drawingml/2006/main" xmlns:r="http://schemas.openxmlformats.org/officeDocument/2006/relationships" xmlns:p="http://schemas.openxmlformats.org/presentationml/2006/main">
+  <p:cSld>
+    <p:spTree>
+      <p:nvGrpSpPr>
+        <p:cNvPr id="1" name="">
+          <a:extLst>
+            <a:ext uri="{FF2B5EF4-FFF2-40B4-BE49-F238E27FC236}">
+              <a16:creationId xmlns:a16="http://schemas.microsoft.com/office/drawing/2014/main" id="{F861A350-28AE-1DE0-B928-046F0298027C}"/>
+            </a:ext>
+          </a:extLst>
+        </p:cNvPr>
+        <p:cNvGrpSpPr/>
+        <p:nvPr/>
+      </p:nvGrpSpPr>
+      <p:grpSpPr>
+        <a:xfrm>
+          <a:off x="0" y="0"/>
+          <a:ext cx="0" cy="0"/>
+          <a:chOff x="0" y="0"/>
+          <a:chExt cx="0" cy="0"/>
+        </a:xfrm>
+      </p:grpSpPr>
+      <p:pic>
+        <p:nvPicPr>
+          <p:cNvPr id="3" name="圖片 2" descr="一張含有 文字, 螢幕擷取畫面, 字型 的圖片&#10;&#10;AI 產生的內容可能不正確。">
+            <a:extLst>
+              <a:ext uri="{FF2B5EF4-FFF2-40B4-BE49-F238E27FC236}">
+                <a16:creationId xmlns:a16="http://schemas.microsoft.com/office/drawing/2014/main" id="{2B707684-F129-A110-2BE1-C6354059519C}"/>
+              </a:ext>
+            </a:extLst>
+          </p:cNvPr>
+          <p:cNvPicPr>
+            <a:picLocks noChangeAspect="1"/>
+          </p:cNvPicPr>
+          <p:nvPr/>
+        </p:nvPicPr>
+        <p:blipFill>
+          <a:blip r:embed="rId2"/>
+          <a:stretch>
+            <a:fillRect/>
+          </a:stretch>
+        </p:blipFill>
+        <p:spPr>
+          <a:xfrm>
+            <a:off x="2480758" y="1061707"/>
+            <a:ext cx="7230484" cy="4734586"/>
+          </a:xfrm>
+          <a:prstGeom prst="rect">
+            <a:avLst/>
+          </a:prstGeom>
+        </p:spPr>
+      </p:pic>
+    </p:spTree>
+    <p:extLst>
+      <p:ext uri="{BB962C8B-B14F-4D97-AF65-F5344CB8AC3E}">
+        <p14:creationId xmlns:p14="http://schemas.microsoft.com/office/powerpoint/2010/main" val="2681317147"/>
+      </p:ext>
+    </p:extLst>
+  </p:cSld>
+  <p:clrMapOvr>
+    <a:masterClrMapping/>
+  </p:clrMapOvr>
+</p:sld>
+</file>
+
+<file path=ppt/slides/slide7.xml><?xml version="1.0" encoding="utf-8"?>
+<p:sld xmlns:a="http://schemas.openxmlformats.org/drawingml/2006/main" xmlns:r="http://schemas.openxmlformats.org/officeDocument/2006/relationships" xmlns:p="http://schemas.openxmlformats.org/presentationml/2006/main">
+  <p:cSld>
+    <p:spTree>
+      <p:nvGrpSpPr>
+        <p:cNvPr id="1" name="">
+          <a:extLst>
+            <a:ext uri="{FF2B5EF4-FFF2-40B4-BE49-F238E27FC236}">
+              <a16:creationId xmlns:a16="http://schemas.microsoft.com/office/drawing/2014/main" id="{7EA9D698-E806-B3B1-C8DF-0BA80A227E43}"/>
+            </a:ext>
+          </a:extLst>
+        </p:cNvPr>
+        <p:cNvGrpSpPr/>
+        <p:nvPr/>
+      </p:nvGrpSpPr>
+      <p:grpSpPr>
+        <a:xfrm>
+          <a:off x="0" y="0"/>
+          <a:ext cx="0" cy="0"/>
+          <a:chOff x="0" y="0"/>
+          <a:chExt cx="0" cy="0"/>
+        </a:xfrm>
+      </p:grpSpPr>
+      <p:pic>
+        <p:nvPicPr>
+          <p:cNvPr id="3" name="圖片 2" descr="一張含有 文字, 字型, 螢幕擷取畫面, 代數 的圖片&#10;&#10;AI 產生的內容可能不正確。">
+            <a:extLst>
+              <a:ext uri="{FF2B5EF4-FFF2-40B4-BE49-F238E27FC236}">
+                <a16:creationId xmlns:a16="http://schemas.microsoft.com/office/drawing/2014/main" id="{31E5AB81-4A5B-9936-66F6-CDD7700612B3}"/>
+              </a:ext>
+            </a:extLst>
+          </p:cNvPr>
+          <p:cNvPicPr>
+            <a:picLocks noChangeAspect="1"/>
+          </p:cNvPicPr>
+          <p:nvPr/>
+        </p:nvPicPr>
+        <p:blipFill>
+          <a:blip r:embed="rId2"/>
+          <a:stretch>
+            <a:fillRect/>
+          </a:stretch>
+        </p:blipFill>
+        <p:spPr>
+          <a:xfrm>
+            <a:off x="1658101" y="392640"/>
+            <a:ext cx="8745170" cy="3105583"/>
+          </a:xfrm>
+          <a:prstGeom prst="rect">
+            <a:avLst/>
+          </a:prstGeom>
+        </p:spPr>
+      </p:pic>
+    </p:spTree>
+    <p:extLst>
+      <p:ext uri="{BB962C8B-B14F-4D97-AF65-F5344CB8AC3E}">
+        <p14:creationId xmlns:p14="http://schemas.microsoft.com/office/powerpoint/2010/main" val="2225646427"/>
+      </p:ext>
+    </p:extLst>
+  </p:cSld>
+  <p:clrMapOvr>
+    <a:masterClrMapping/>
+  </p:clrMapOvr>
+</p:sld>
+</file>
+
+<file path=ppt/slides/slide8.xml><?xml version="1.0" encoding="utf-8"?>
+<p:sld xmlns:a="http://schemas.openxmlformats.org/drawingml/2006/main" xmlns:r="http://schemas.openxmlformats.org/officeDocument/2006/relationships" xmlns:p="http://schemas.openxmlformats.org/presentationml/2006/main">
+  <p:cSld>
+    <p:spTree>
+      <p:nvGrpSpPr>
+        <p:cNvPr id="1" name=""/>
+        <p:cNvGrpSpPr/>
+        <p:nvPr/>
+      </p:nvGrpSpPr>
+      <p:grpSpPr>
+        <a:xfrm>
+          <a:off x="0" y="0"/>
+          <a:ext cx="0" cy="0"/>
+          <a:chOff x="0" y="0"/>
+          <a:chExt cx="0" cy="0"/>
+        </a:xfrm>
+      </p:grpSpPr>
+      <p:pic>
+        <p:nvPicPr>
+          <p:cNvPr id="5" name="圖片 4" descr="一張含有 文字, 螢幕擷取畫面, 字型, 行 的圖片&#10;&#10;AI 產生的內容可能不正確。">
+            <a:extLst>
+              <a:ext uri="{FF2B5EF4-FFF2-40B4-BE49-F238E27FC236}">
+                <a16:creationId xmlns:a16="http://schemas.microsoft.com/office/drawing/2014/main" id="{C618AC9B-3500-8686-6D51-30D7BFA89182}"/>
+              </a:ext>
+            </a:extLst>
+          </p:cNvPr>
+          <p:cNvPicPr>
+            <a:picLocks noChangeAspect="1"/>
+          </p:cNvPicPr>
+          <p:nvPr/>
+        </p:nvPicPr>
+        <p:blipFill>
+          <a:blip r:embed="rId2"/>
+          <a:stretch>
+            <a:fillRect/>
+          </a:stretch>
+        </p:blipFill>
+        <p:spPr>
+          <a:xfrm>
+            <a:off x="1704362" y="2428735"/>
+            <a:ext cx="8783276" cy="2000529"/>
+          </a:xfrm>
+          <a:prstGeom prst="rect">
+            <a:avLst/>
+          </a:prstGeom>
+        </p:spPr>
+      </p:pic>
+    </p:spTree>
+    <p:extLst>
+      <p:ext uri="{BB962C8B-B14F-4D97-AF65-F5344CB8AC3E}">
+        <p14:creationId xmlns:p14="http://schemas.microsoft.com/office/powerpoint/2010/main" val="2452597633"/>
+      </p:ext>
+    </p:extLst>
+  </p:cSld>
+  <p:clrMapOvr>
+    <a:masterClrMapping/>
+  </p:clrMapOvr>
+</p:sld>
+</file>
+
+<file path=ppt/slides/slide9.xml><?xml version="1.0" encoding="utf-8"?>
+<p:sld xmlns:a="http://schemas.openxmlformats.org/drawingml/2006/main" xmlns:r="http://schemas.openxmlformats.org/officeDocument/2006/relationships" xmlns:p="http://schemas.openxmlformats.org/presentationml/2006/main">
+  <p:cSld>
+    <p:spTree>
+      <p:nvGrpSpPr>
+        <p:cNvPr id="1" name="">
+          <a:extLst>
+            <a:ext uri="{FF2B5EF4-FFF2-40B4-BE49-F238E27FC236}">
+              <a16:creationId xmlns:a16="http://schemas.microsoft.com/office/drawing/2014/main" id="{1E45A88E-272E-F4E6-C5D9-FD55491C2802}"/>
+            </a:ext>
+          </a:extLst>
+        </p:cNvPr>
+        <p:cNvGrpSpPr/>
+        <p:nvPr/>
+      </p:nvGrpSpPr>
+      <p:grpSpPr>
+        <a:xfrm>
+          <a:off x="0" y="0"/>
+          <a:ext cx="0" cy="0"/>
+          <a:chOff x="0" y="0"/>
+          <a:chExt cx="0" cy="0"/>
+        </a:xfrm>
+      </p:grpSpPr>
+      <p:pic>
+        <p:nvPicPr>
+          <p:cNvPr id="3" name="圖片 2" descr="一張含有 文字, 螢幕擷取畫面, 陳列, 軟體 的圖片&#10;&#10;AI 產生的內容可能不正確。">
+            <a:extLst>
+              <a:ext uri="{FF2B5EF4-FFF2-40B4-BE49-F238E27FC236}">
+                <a16:creationId xmlns:a16="http://schemas.microsoft.com/office/drawing/2014/main" id="{C1890088-7CB4-68AB-19E1-EA658DC92C75}"/>
+              </a:ext>
+            </a:extLst>
+          </p:cNvPr>
+          <p:cNvPicPr>
+            <a:picLocks noChangeAspect="1"/>
+          </p:cNvPicPr>
+          <p:nvPr/>
+        </p:nvPicPr>
+        <p:blipFill>
+          <a:blip r:embed="rId2"/>
+          <a:stretch>
+            <a:fillRect/>
+          </a:stretch>
+        </p:blipFill>
+        <p:spPr>
+          <a:xfrm>
+            <a:off x="1835066" y="2527045"/>
+            <a:ext cx="5849166" cy="2724530"/>
+          </a:xfrm>
+          <a:prstGeom prst="rect">
+            <a:avLst/>
+          </a:prstGeom>
+        </p:spPr>
+      </p:pic>
+      <p:sp>
+        <p:nvSpPr>
+          <p:cNvPr id="5" name="文字方塊 4">
+            <a:extLst>
+              <a:ext uri="{FF2B5EF4-FFF2-40B4-BE49-F238E27FC236}">
+                <a16:creationId xmlns:a16="http://schemas.microsoft.com/office/drawing/2014/main" id="{02FF8459-F07A-5914-B2EA-1032AA90EDF6}"/>
+              </a:ext>
+            </a:extLst>
+          </p:cNvPr>
+          <p:cNvSpPr txBox="1"/>
+          <p:nvPr/>
+        </p:nvSpPr>
+        <p:spPr>
+          <a:xfrm>
+            <a:off x="556726" y="1374511"/>
+            <a:ext cx="9837576" cy="465897"/>
+          </a:xfrm>
+          <a:prstGeom prst="rect">
+            <a:avLst/>
+          </a:prstGeom>
+          <a:noFill/>
+        </p:spPr>
+        <p:txBody>
+          <a:bodyPr wrap="square">
+            <a:spAutoFit/>
+          </a:bodyPr>
+          <a:lstStyle/>
+          <a:p>
+            <a:pPr>
+              <a:lnSpc>
+                <a:spcPts val="1425"/>
+              </a:lnSpc>
+              <a:buNone/>
+            </a:pPr>
+            <a:r>
+              <a:rPr lang="en-US" altLang="zh-TW" b="0" dirty="0" err="1">
+                <a:effectLst/>
+                <a:latin typeface="Consolas" panose="020B0609020204030204" pitchFamily="49" charset="0"/>
+              </a:rPr>
+              <a:t>set_global_assignment</a:t>
+            </a:r>
+            <a:r>
+              <a:rPr lang="en-US" altLang="zh-TW" b="0" dirty="0">
+                <a:effectLst/>
+                <a:latin typeface="Consolas" panose="020B0609020204030204" pitchFamily="49" charset="0"/>
+              </a:rPr>
+              <a:t> -name SEARCH_PATH "../TOP“</a:t>
+            </a:r>
+          </a:p>
+          <a:p>
+            <a:pPr>
+              <a:lnSpc>
+                <a:spcPts val="1425"/>
+              </a:lnSpc>
+              <a:buNone/>
+            </a:pPr>
+            <a:r>
+              <a:rPr lang="zh-TW" altLang="en-US" b="0" dirty="0">
+                <a:effectLst/>
+                <a:latin typeface="Consolas" panose="020B0609020204030204" pitchFamily="49" charset="0"/>
+              </a:rPr>
+              <a:t>這個會出現在下面</a:t>
+            </a:r>
+            <a:r>
+              <a:rPr lang="en-US" altLang="zh-TW" b="0" dirty="0">
+                <a:effectLst/>
+                <a:latin typeface="Consolas" panose="020B0609020204030204" pitchFamily="49" charset="0"/>
+              </a:rPr>
+              <a:t> </a:t>
+            </a:r>
+          </a:p>
+        </p:txBody>
+      </p:sp>
+    </p:spTree>
+    <p:extLst>
+      <p:ext uri="{BB962C8B-B14F-4D97-AF65-F5344CB8AC3E}">
+        <p14:creationId xmlns:p14="http://schemas.microsoft.com/office/powerpoint/2010/main" val="4262921676"/>
       </p:ext>
     </p:extLst>
   </p:cSld>

--- a/intel_IP/HINS/FPGA版本管理.pptx
+++ b/intel_IP/HINS/FPGA版本管理.pptx
@@ -3877,6 +3877,50 @@
           </a:prstGeom>
         </p:spPr>
       </p:pic>
+      <p:sp>
+        <p:nvSpPr>
+          <p:cNvPr id="2" name="文字方塊 1">
+            <a:extLst>
+              <a:ext uri="{FF2B5EF4-FFF2-40B4-BE49-F238E27FC236}">
+                <a16:creationId xmlns:a16="http://schemas.microsoft.com/office/drawing/2014/main" id="{C79DE704-EB06-A170-452D-70BDD937EE45}"/>
+              </a:ext>
+            </a:extLst>
+          </p:cNvPr>
+          <p:cNvSpPr txBox="1"/>
+          <p:nvPr/>
+        </p:nvSpPr>
+        <p:spPr>
+          <a:xfrm>
+            <a:off x="2236304" y="5287617"/>
+            <a:ext cx="1721946" cy="369332"/>
+          </a:xfrm>
+          <a:prstGeom prst="rect">
+            <a:avLst/>
+          </a:prstGeom>
+          <a:noFill/>
+        </p:spPr>
+        <p:txBody>
+          <a:bodyPr wrap="none" rtlCol="0">
+            <a:spAutoFit/>
+          </a:bodyPr>
+          <a:lstStyle/>
+          <a:p>
+            <a:r>
+              <a:rPr lang="en-US" altLang="zh-TW" dirty="0" err="1"/>
+              <a:t>quartus_sh</a:t>
+            </a:r>
+            <a:r>
+              <a:rPr lang="en-US" altLang="zh-TW" dirty="0"/>
+              <a:t> –</a:t>
+            </a:r>
+            <a:r>
+              <a:rPr lang="en-US" altLang="zh-TW"/>
+              <a:t>t .\</a:t>
+            </a:r>
+            <a:endParaRPr lang="zh-TW" altLang="en-US" dirty="0"/>
+          </a:p>
+        </p:txBody>
+      </p:sp>
     </p:spTree>
     <p:extLst>
       <p:ext uri="{BB962C8B-B14F-4D97-AF65-F5344CB8AC3E}">
